--- a/ppt/算法讲解105【扩展】字符串哈希原理、代码、题目详解.pptx
+++ b/ppt/算法讲解105【扩展】字符串哈希原理、代码、题目详解.pptx
@@ -5050,7 +5050,39 @@
               </a:defRPr>
             </a:pPr>
             <a:r>
-              <a:t>3）选择base为一个质数，比如499、131、1313、13131等，</a:t>
+              <a:t>3）base可以选择一些质数比如：433、499、599、1000000007</a:t>
+            </a:r>
+          </a:p>
+          <a:p>
+            <a:pPr algn="l" defTabSz="825500">
+              <a:defRPr sz="3600">
+                <a:solidFill>
+                  <a:srgbClr val="000000"/>
+                </a:solidFill>
+                <a:latin typeface="Monaco"/>
+                <a:ea typeface="Monaco"/>
+                <a:cs typeface="Monaco"/>
+                <a:sym typeface="Monaco"/>
+              </a:defRPr>
+            </a:pPr>
+            <a:r>
+              <a:t>   也可以选择已经被证实了很好用的值：31、131、1313、13131、131313等</a:t>
+            </a:r>
+          </a:p>
+          <a:p>
+            <a:pPr algn="l" defTabSz="825500">
+              <a:defRPr sz="3600">
+                <a:solidFill>
+                  <a:srgbClr val="000000"/>
+                </a:solidFill>
+                <a:latin typeface="Monaco"/>
+                <a:ea typeface="Monaco"/>
+                <a:cs typeface="Monaco"/>
+                <a:sym typeface="Monaco"/>
+              </a:defRPr>
+            </a:pPr>
+            <a:r>
+              <a:t>  </a:t>
             </a:r>
             <a:r>
               <a:rPr>
@@ -5062,7 +5094,7 @@
                   </a:schemeClr>
                 </a:solidFill>
               </a:rPr>
-              <a:t>为了自然溢出后的状态尽量分散</a:t>
+              <a:t>建议选择质数，不要选经典值，因为会被出题人刻意构造碰撞</a:t>
             </a:r>
           </a:p>
           <a:p>
@@ -5096,19 +5128,6 @@
             <a:r>
               <a:t>5）利用数字的比较去替代字符串的比较，可以大大减少复杂度</a:t>
             </a:r>
-          </a:p>
-          <a:p>
-            <a:pPr algn="l" defTabSz="825500">
-              <a:defRPr sz="3600">
-                <a:solidFill>
-                  <a:srgbClr val="000000"/>
-                </a:solidFill>
-                <a:latin typeface="Monaco"/>
-                <a:ea typeface="Monaco"/>
-                <a:cs typeface="Monaco"/>
-                <a:sym typeface="Monaco"/>
-              </a:defRPr>
-            </a:pPr>
           </a:p>
           <a:p>
             <a:pPr algn="l" defTabSz="825500">
@@ -5126,9 +5145,6 @@
                 <a:sym typeface="Monaco"/>
               </a:defRPr>
             </a:pPr>
-            <a:r>
-              <a:t>字符串哈希从理论上说会有碰撞导致出错，但现实中的算法考察样本量太少了，出错概率非常低</a:t>
-            </a:r>
           </a:p>
           <a:p>
             <a:pPr algn="l" defTabSz="825500">
@@ -5147,7 +5163,7 @@
               </a:defRPr>
             </a:pPr>
             <a:r>
-              <a:t>即便是出错了，也可以更换进制数base，再去赌，一定能赌赢</a:t>
+              <a:t>字符串哈希从理论上说会有碰撞导致出错，但现实中的算法考察样本量太少了，出错概率非常低</a:t>
             </a:r>
           </a:p>
           <a:p>
@@ -5167,7 +5183,7 @@
               </a:defRPr>
             </a:pPr>
             <a:r>
-              <a:t>没错！是玄学！但是好用！</a:t>
+              <a:t>即便是出错了，也可以更换进制数base，再去赌，一定能赌赢</a:t>
             </a:r>
           </a:p>
           <a:p>
@@ -5187,7 +5203,7 @@
               </a:defRPr>
             </a:pPr>
             <a:r>
-              <a:t>堪称赌狗的胜利</a:t>
+              <a:t>没错！是玄学！但是好用！堪称赌狗的胜利</a:t>
             </a:r>
           </a:p>
         </p:txBody>
